--- a/1st_review_slide/3_Advanced_simulation_201009_v2.pptx
+++ b/1st_review_slide/3_Advanced_simulation_201009_v2.pptx
@@ -7950,7 +7950,7 @@
           <a:p>
             <a:fld id="{2A71EC23-F9ED-424C-B5FB-B7B5F6D78B70}" type="datetimeFigureOut">
               <a:rPr kumimoji="1" lang="ja-JP" altLang="en-US" smtClean="0"/>
-              <a:t>2020/11/18</a:t>
+              <a:t>2020/11/25</a:t>
             </a:fld>
             <a:endParaRPr kumimoji="1" lang="ja-JP" altLang="en-US"/>
           </a:p>
@@ -8469,7 +8469,7 @@
           <a:p>
             <a:fld id="{0F81A95D-05BA-458D-BB44-152E4BC8CA84}" type="datetime1">
               <a:rPr kumimoji="1" lang="ja-JP" altLang="en-US" smtClean="0"/>
-              <a:t>2020/11/18</a:t>
+              <a:t>2020/11/25</a:t>
             </a:fld>
             <a:endParaRPr kumimoji="1" lang="ja-JP" altLang="en-US"/>
           </a:p>
@@ -8691,7 +8691,7 @@
           <a:p>
             <a:fld id="{9906A6E4-4266-427F-9354-B8DA436806C3}" type="datetime1">
               <a:rPr kumimoji="1" lang="ja-JP" altLang="en-US" smtClean="0"/>
-              <a:t>2020/11/18</a:t>
+              <a:t>2020/11/25</a:t>
             </a:fld>
             <a:endParaRPr kumimoji="1" lang="ja-JP" altLang="en-US"/>
           </a:p>
@@ -8907,7 +8907,7 @@
           <a:p>
             <a:fld id="{362664A4-23FB-43CF-818D-F7393D757BD2}" type="datetime1">
               <a:rPr kumimoji="1" lang="ja-JP" altLang="en-US" smtClean="0"/>
-              <a:t>2020/11/18</a:t>
+              <a:t>2020/11/25</a:t>
             </a:fld>
             <a:endParaRPr kumimoji="1" lang="ja-JP" altLang="en-US"/>
           </a:p>
@@ -9113,7 +9113,7 @@
           <a:p>
             <a:fld id="{BFE15652-DDD4-4E36-9CB3-8E9EF446BEDB}" type="datetime1">
               <a:rPr kumimoji="1" lang="ja-JP" altLang="en-US" smtClean="0"/>
-              <a:t>2020/11/18</a:t>
+              <a:t>2020/11/25</a:t>
             </a:fld>
             <a:endParaRPr kumimoji="1" lang="ja-JP" altLang="en-US"/>
           </a:p>
@@ -9377,7 +9377,7 @@
           <a:p>
             <a:fld id="{30BAF585-2E3D-431A-AD29-AD87965751CC}" type="datetime1">
               <a:rPr kumimoji="1" lang="ja-JP" altLang="en-US" smtClean="0"/>
-              <a:t>2020/11/18</a:t>
+              <a:t>2020/11/25</a:t>
             </a:fld>
             <a:endParaRPr kumimoji="1" lang="ja-JP" altLang="en-US"/>
           </a:p>
@@ -9693,7 +9693,7 @@
           <a:p>
             <a:fld id="{0A1D67E2-B520-4BB6-8434-DE7E995735B8}" type="datetime1">
               <a:rPr kumimoji="1" lang="ja-JP" altLang="en-US" smtClean="0"/>
-              <a:t>2020/11/18</a:t>
+              <a:t>2020/11/25</a:t>
             </a:fld>
             <a:endParaRPr kumimoji="1" lang="ja-JP" altLang="en-US"/>
           </a:p>
@@ -10144,7 +10144,7 @@
           <a:p>
             <a:fld id="{500F9857-EF08-440C-94CB-83D9EE0D5A5A}" type="datetime1">
               <a:rPr kumimoji="1" lang="ja-JP" altLang="en-US" smtClean="0"/>
-              <a:t>2020/11/18</a:t>
+              <a:t>2020/11/25</a:t>
             </a:fld>
             <a:endParaRPr kumimoji="1" lang="ja-JP" altLang="en-US"/>
           </a:p>
@@ -10282,7 +10282,7 @@
           <a:p>
             <a:fld id="{B6BF44F8-E47A-4CCA-94C1-5A88DC7B414A}" type="datetime1">
               <a:rPr kumimoji="1" lang="ja-JP" altLang="en-US" smtClean="0"/>
-              <a:t>2020/11/18</a:t>
+              <a:t>2020/11/25</a:t>
             </a:fld>
             <a:endParaRPr kumimoji="1" lang="ja-JP" altLang="en-US"/>
           </a:p>
@@ -10397,7 +10397,7 @@
           <a:p>
             <a:fld id="{DE263015-59FD-444D-A49B-45D0DD94C4F1}" type="datetime1">
               <a:rPr kumimoji="1" lang="ja-JP" altLang="en-US" smtClean="0"/>
-              <a:t>2020/11/18</a:t>
+              <a:t>2020/11/25</a:t>
             </a:fld>
             <a:endParaRPr kumimoji="1" lang="ja-JP" altLang="en-US"/>
           </a:p>
@@ -10726,7 +10726,7 @@
           <a:p>
             <a:fld id="{7A6651C1-F643-424E-9D81-62CF9A82FABB}" type="datetime1">
               <a:rPr kumimoji="1" lang="ja-JP" altLang="en-US" smtClean="0"/>
-              <a:t>2020/11/18</a:t>
+              <a:t>2020/11/25</a:t>
             </a:fld>
             <a:endParaRPr kumimoji="1" lang="ja-JP" altLang="en-US"/>
           </a:p>
@@ -10987,7 +10987,7 @@
           <a:p>
             <a:fld id="{E79AACC8-2A3E-4AB1-936D-2A445495DFBA}" type="datetime1">
               <a:rPr kumimoji="1" lang="ja-JP" altLang="en-US" smtClean="0"/>
-              <a:t>2020/11/18</a:t>
+              <a:t>2020/11/25</a:t>
             </a:fld>
             <a:endParaRPr kumimoji="1" lang="ja-JP" altLang="en-US"/>
           </a:p>
@@ -11236,7 +11236,7 @@
           <a:p>
             <a:fld id="{79B7E619-0862-4EB5-B675-91B651E48568}" type="datetime1">
               <a:rPr kumimoji="1" lang="ja-JP" altLang="en-US" smtClean="0"/>
-              <a:t>2020/11/18</a:t>
+              <a:t>2020/11/25</a:t>
             </a:fld>
             <a:endParaRPr kumimoji="1" lang="ja-JP" altLang="en-US"/>
           </a:p>
@@ -11816,6 +11816,13 @@
   <p:clrMapOvr>
     <a:masterClrMapping/>
   </p:clrMapOvr>
+  <p:timing>
+    <p:tnLst>
+      <p:par>
+        <p:cTn id="1" dur="indefinite" restart="never" nodeType="tmRoot"/>
+      </p:par>
+    </p:tnLst>
+  </p:timing>
 </p:sld>
 </file>
 
@@ -11855,25 +11862,6 @@
               <a:rPr kumimoji="1" lang="ja-JP" altLang="en-US" dirty="0"/>
               <a:t>対策としてパーを半分に減らす</a:t>
             </a:r>
-          </a:p>
-        </p:txBody>
-      </p:sp>
-      <p:sp>
-        <p:nvSpPr>
-          <p:cNvPr id="3" name="コンテンツ プレースホルダー 2"/>
-          <p:cNvSpPr>
-            <a:spLocks noGrp="1"/>
-          </p:cNvSpPr>
-          <p:nvPr>
-            <p:ph idx="1"/>
-          </p:nvPr>
-        </p:nvSpPr>
-        <p:spPr/>
-        <p:txBody>
-          <a:bodyPr/>
-          <a:lstStyle/>
-          <a:p>
-            <a:endParaRPr kumimoji="1" lang="ja-JP" altLang="en-US"/>
           </a:p>
         </p:txBody>
       </p:sp>
@@ -12226,6 +12214,13 @@
   <p:clrMapOvr>
     <a:masterClrMapping/>
   </p:clrMapOvr>
+  <p:timing>
+    <p:tnLst>
+      <p:par>
+        <p:cTn id="1" dur="indefinite" restart="never" nodeType="tmRoot"/>
+      </p:par>
+    </p:tnLst>
+  </p:timing>
 </p:sld>
 </file>
 
@@ -12265,25 +12260,6 @@
               <a:rPr kumimoji="1" lang="ja-JP" altLang="en-US" dirty="0"/>
               <a:t>対策の対策としてチョキを半分に減らす</a:t>
             </a:r>
-          </a:p>
-        </p:txBody>
-      </p:sp>
-      <p:sp>
-        <p:nvSpPr>
-          <p:cNvPr id="3" name="コンテンツ プレースホルダー 2"/>
-          <p:cNvSpPr>
-            <a:spLocks noGrp="1"/>
-          </p:cNvSpPr>
-          <p:nvPr>
-            <p:ph idx="1"/>
-          </p:nvPr>
-        </p:nvSpPr>
-        <p:spPr/>
-        <p:txBody>
-          <a:bodyPr/>
-          <a:lstStyle/>
-          <a:p>
-            <a:endParaRPr kumimoji="1" lang="ja-JP" altLang="en-US" dirty="0"/>
           </a:p>
         </p:txBody>
       </p:sp>
@@ -12644,6 +12620,13 @@
   <p:clrMapOvr>
     <a:masterClrMapping/>
   </p:clrMapOvr>
+  <p:timing>
+    <p:tnLst>
+      <p:par>
+        <p:cTn id="1" dur="indefinite" restart="never" nodeType="tmRoot"/>
+      </p:par>
+    </p:tnLst>
+  </p:timing>
 </p:sld>
 </file>
 
@@ -12683,25 +12666,6 @@
               <a:rPr kumimoji="1" lang="ja-JP" altLang="en-US" dirty="0"/>
               <a:t>番外編：読み間違えた場合</a:t>
             </a:r>
-          </a:p>
-        </p:txBody>
-      </p:sp>
-      <p:sp>
-        <p:nvSpPr>
-          <p:cNvPr id="3" name="コンテンツ プレースホルダー 2"/>
-          <p:cNvSpPr>
-            <a:spLocks noGrp="1"/>
-          </p:cNvSpPr>
-          <p:nvPr>
-            <p:ph idx="1"/>
-          </p:nvPr>
-        </p:nvSpPr>
-        <p:spPr/>
-        <p:txBody>
-          <a:bodyPr/>
-          <a:lstStyle/>
-          <a:p>
-            <a:endParaRPr kumimoji="1" lang="ja-JP" altLang="en-US" dirty="0"/>
           </a:p>
         </p:txBody>
       </p:sp>
@@ -13442,6 +13406,13 @@
   <p:clrMapOvr>
     <a:masterClrMapping/>
   </p:clrMapOvr>
+  <p:timing>
+    <p:tnLst>
+      <p:par>
+        <p:cTn id="1" dur="indefinite" restart="never" nodeType="tmRoot"/>
+      </p:par>
+    </p:tnLst>
+  </p:timing>
 </p:sld>
 </file>
 
@@ -13744,6 +13715,13 @@
   <p:clrMapOvr>
     <a:masterClrMapping/>
   </p:clrMapOvr>
+  <p:timing>
+    <p:tnLst>
+      <p:par>
+        <p:cTn id="1" dur="indefinite" restart="never" nodeType="tmRoot"/>
+      </p:par>
+    </p:tnLst>
+  </p:timing>
 </p:sld>
 </file>
 
@@ -17995,7 +17973,7 @@
         </p:nvSpPr>
         <p:spPr>
           <a:xfrm>
-            <a:off x="7527193" y="4345497"/>
+            <a:off x="7490683" y="3849180"/>
             <a:ext cx="4304251" cy="1493240"/>
           </a:xfrm>
           <a:prstGeom prst="rect">
@@ -18092,6 +18070,231 @@
           </a:prstGeom>
         </p:spPr>
       </p:pic>
+      <p:sp>
+        <p:nvSpPr>
+          <p:cNvPr id="6" name="正方形/長方形 5"/>
+          <p:cNvSpPr/>
+          <p:nvPr/>
+        </p:nvSpPr>
+        <p:spPr>
+          <a:xfrm>
+            <a:off x="8961559" y="5832404"/>
+            <a:ext cx="681251" cy="177420"/>
+          </a:xfrm>
+          <a:prstGeom prst="rect">
+            <a:avLst/>
+          </a:prstGeom>
+          <a:solidFill>
+            <a:srgbClr val="F1ABAB"/>
+          </a:solidFill>
+        </p:spPr>
+        <p:style>
+          <a:lnRef idx="2">
+            <a:schemeClr val="accent1">
+              <a:shade val="50000"/>
+            </a:schemeClr>
+          </a:lnRef>
+          <a:fillRef idx="1">
+            <a:schemeClr val="accent1"/>
+          </a:fillRef>
+          <a:effectRef idx="0">
+            <a:schemeClr val="accent1"/>
+          </a:effectRef>
+          <a:fontRef idx="minor">
+            <a:schemeClr val="lt1"/>
+          </a:fontRef>
+        </p:style>
+        <p:txBody>
+          <a:bodyPr rtlCol="0" anchor="ctr"/>
+          <a:lstStyle/>
+          <a:p>
+            <a:pPr algn="ctr"/>
+            <a:endParaRPr kumimoji="1" lang="ja-JP" altLang="en-US"/>
+          </a:p>
+        </p:txBody>
+      </p:sp>
+      <p:sp>
+        <p:nvSpPr>
+          <p:cNvPr id="9" name="正方形/長方形 8"/>
+          <p:cNvSpPr/>
+          <p:nvPr/>
+        </p:nvSpPr>
+        <p:spPr>
+          <a:xfrm>
+            <a:off x="8961558" y="6190421"/>
+            <a:ext cx="681251" cy="177420"/>
+          </a:xfrm>
+          <a:prstGeom prst="rect">
+            <a:avLst/>
+          </a:prstGeom>
+          <a:solidFill>
+            <a:srgbClr val="EDD3D3"/>
+          </a:solidFill>
+        </p:spPr>
+        <p:style>
+          <a:lnRef idx="2">
+            <a:schemeClr val="accent1">
+              <a:shade val="50000"/>
+            </a:schemeClr>
+          </a:lnRef>
+          <a:fillRef idx="1">
+            <a:schemeClr val="accent1"/>
+          </a:fillRef>
+          <a:effectRef idx="0">
+            <a:schemeClr val="accent1"/>
+          </a:effectRef>
+          <a:fontRef idx="minor">
+            <a:schemeClr val="lt1"/>
+          </a:fontRef>
+        </p:style>
+        <p:txBody>
+          <a:bodyPr rtlCol="0" anchor="ctr"/>
+          <a:lstStyle/>
+          <a:p>
+            <a:pPr algn="ctr"/>
+            <a:endParaRPr kumimoji="1" lang="ja-JP" altLang="en-US"/>
+          </a:p>
+        </p:txBody>
+      </p:sp>
+      <p:sp>
+        <p:nvSpPr>
+          <p:cNvPr id="10" name="テキスト ボックス 9"/>
+          <p:cNvSpPr txBox="1"/>
+          <p:nvPr/>
+        </p:nvSpPr>
+        <p:spPr>
+          <a:xfrm>
+            <a:off x="9779286" y="5736448"/>
+            <a:ext cx="1507144" cy="369332"/>
+          </a:xfrm>
+          <a:prstGeom prst="rect">
+            <a:avLst/>
+          </a:prstGeom>
+          <a:noFill/>
+        </p:spPr>
+        <p:txBody>
+          <a:bodyPr wrap="none" rtlCol="0">
+            <a:spAutoFit/>
+          </a:bodyPr>
+          <a:lstStyle/>
+          <a:p>
+            <a:r>
+              <a:rPr kumimoji="1" lang="en-US" altLang="ja-JP" dirty="0" smtClean="0"/>
+              <a:t>50%</a:t>
+            </a:r>
+            <a:r>
+              <a:rPr kumimoji="1" lang="ja-JP" altLang="en-US" dirty="0" smtClean="0"/>
+              <a:t>予測区間</a:t>
+            </a:r>
+            <a:endParaRPr kumimoji="1" lang="ja-JP" altLang="en-US" dirty="0"/>
+          </a:p>
+        </p:txBody>
+      </p:sp>
+      <p:sp>
+        <p:nvSpPr>
+          <p:cNvPr id="11" name="テキスト ボックス 10"/>
+          <p:cNvSpPr txBox="1"/>
+          <p:nvPr/>
+        </p:nvSpPr>
+        <p:spPr>
+          <a:xfrm>
+            <a:off x="9806582" y="6124613"/>
+            <a:ext cx="1547218" cy="369332"/>
+          </a:xfrm>
+          <a:prstGeom prst="rect">
+            <a:avLst/>
+          </a:prstGeom>
+          <a:noFill/>
+        </p:spPr>
+        <p:txBody>
+          <a:bodyPr wrap="none" rtlCol="0">
+            <a:spAutoFit/>
+          </a:bodyPr>
+          <a:lstStyle/>
+          <a:p>
+            <a:r>
+              <a:rPr lang="en-US" altLang="ja-JP" dirty="0"/>
+              <a:t>9</a:t>
+            </a:r>
+            <a:r>
+              <a:rPr kumimoji="1" lang="en-US" altLang="ja-JP" dirty="0" smtClean="0"/>
+              <a:t>0%</a:t>
+            </a:r>
+            <a:r>
+              <a:rPr kumimoji="1" lang="ja-JP" altLang="en-US" dirty="0" smtClean="0"/>
+              <a:t>予測区間</a:t>
+            </a:r>
+            <a:endParaRPr kumimoji="1" lang="ja-JP" altLang="en-US" dirty="0"/>
+          </a:p>
+        </p:txBody>
+      </p:sp>
+      <p:cxnSp>
+        <p:nvCxnSpPr>
+          <p:cNvPr id="13" name="直線コネクタ 12"/>
+          <p:cNvCxnSpPr/>
+          <p:nvPr/>
+        </p:nvCxnSpPr>
+        <p:spPr>
+          <a:xfrm>
+            <a:off x="8961558" y="6680774"/>
+            <a:ext cx="681251" cy="0"/>
+          </a:xfrm>
+          <a:prstGeom prst="line">
+            <a:avLst/>
+          </a:prstGeom>
+          <a:ln w="19050">
+            <a:solidFill>
+              <a:schemeClr val="bg2">
+                <a:lumMod val="75000"/>
+              </a:schemeClr>
+            </a:solidFill>
+          </a:ln>
+        </p:spPr>
+        <p:style>
+          <a:lnRef idx="1">
+            <a:schemeClr val="accent1"/>
+          </a:lnRef>
+          <a:fillRef idx="0">
+            <a:schemeClr val="accent1"/>
+          </a:fillRef>
+          <a:effectRef idx="0">
+            <a:schemeClr val="accent1"/>
+          </a:effectRef>
+          <a:fontRef idx="minor">
+            <a:schemeClr val="tx1"/>
+          </a:fontRef>
+        </p:style>
+      </p:cxnSp>
+      <p:sp>
+        <p:nvSpPr>
+          <p:cNvPr id="14" name="テキスト ボックス 13"/>
+          <p:cNvSpPr txBox="1"/>
+          <p:nvPr/>
+        </p:nvSpPr>
+        <p:spPr>
+          <a:xfrm>
+            <a:off x="9806582" y="6488668"/>
+            <a:ext cx="1107996" cy="369332"/>
+          </a:xfrm>
+          <a:prstGeom prst="rect">
+            <a:avLst/>
+          </a:prstGeom>
+          <a:noFill/>
+        </p:spPr>
+        <p:txBody>
+          <a:bodyPr wrap="none" rtlCol="0">
+            <a:spAutoFit/>
+          </a:bodyPr>
+          <a:lstStyle/>
+          <a:p>
+            <a:r>
+              <a:rPr kumimoji="1" lang="ja-JP" altLang="en-US" dirty="0" smtClean="0"/>
+              <a:t>個別推移</a:t>
+            </a:r>
+            <a:endParaRPr kumimoji="1" lang="ja-JP" altLang="en-US" dirty="0"/>
+          </a:p>
+        </p:txBody>
+      </p:sp>
     </p:spTree>
     <p:extLst>
       <p:ext uri="{BB962C8B-B14F-4D97-AF65-F5344CB8AC3E}">
@@ -18214,16 +18417,20 @@
           <a:p>
             <a:pPr lvl="1"/>
             <a:r>
+              <a:rPr lang="en-US" altLang="ja-JP" dirty="0" err="1" smtClean="0"/>
+              <a:t>R</a:t>
+            </a:r>
+            <a:r>
+              <a:rPr lang="en-US" altLang="ja-JP" dirty="0" err="1"/>
+              <a:t>x</a:t>
+            </a:r>
+            <a:r>
+              <a:rPr lang="en-US" altLang="ja-JP" dirty="0" err="1" smtClean="0"/>
+              <a:t>ODE</a:t>
+            </a:r>
+            <a:r>
               <a:rPr lang="en-US" altLang="ja-JP" dirty="0" smtClean="0"/>
-              <a:t>R</a:t>
-            </a:r>
-            <a:r>
-              <a:rPr lang="ja-JP" altLang="en-US" dirty="0" err="1" smtClean="0"/>
-              <a:t>ｘ</a:t>
-            </a:r>
-            <a:r>
-              <a:rPr lang="en-US" altLang="ja-JP" dirty="0" smtClean="0"/>
-              <a:t>ODE/</a:t>
+              <a:t>/</a:t>
             </a:r>
             <a:r>
               <a:rPr kumimoji="1" lang="en-US" altLang="ja-JP" dirty="0" err="1" smtClean="0"/>
@@ -18373,6 +18580,13 @@
   <p:clrMapOvr>
     <a:masterClrMapping/>
   </p:clrMapOvr>
+  <p:timing>
+    <p:tnLst>
+      <p:par>
+        <p:cTn id="1" dur="indefinite" restart="never" nodeType="tmRoot"/>
+      </p:par>
+    </p:tnLst>
+  </p:timing>
 </p:sld>
 </file>
 
@@ -19245,7 +19459,7 @@
           <p:cNvPr id="6" name="Picture 4" descr="An external file that holds a picture, illustration, etc.&#10;Object name is PSP4-5-03-g002.jpg">
             <a:extLst>
               <a:ext uri="{FF2B5EF4-FFF2-40B4-BE49-F238E27FC236}">
-                <a16:creationId xmlns="" xmlns:a16="http://schemas.microsoft.com/office/drawing/2014/main" id="{CD12B13C-05CE-43A6-BE42-5F342F19E421}"/>
+                <a16:creationId xmlns:a16="http://schemas.microsoft.com/office/drawing/2014/main" xmlns="" id="{CD12B13C-05CE-43A6-BE42-5F342F19E421}"/>
               </a:ext>
             </a:extLst>
           </p:cNvPr>
@@ -22510,6 +22724,13 @@
   <p:clrMapOvr>
     <a:masterClrMapping/>
   </p:clrMapOvr>
+  <p:timing>
+    <p:tnLst>
+      <p:par>
+        <p:cTn id="1" dur="indefinite" restart="never" nodeType="tmRoot"/>
+      </p:par>
+    </p:tnLst>
+  </p:timing>
 </p:sld>
 </file>
 
@@ -22714,6 +22935,13 @@
   <p:clrMapOvr>
     <a:masterClrMapping/>
   </p:clrMapOvr>
+  <p:timing>
+    <p:tnLst>
+      <p:par>
+        <p:cTn id="1" dur="indefinite" restart="never" nodeType="tmRoot"/>
+      </p:par>
+    </p:tnLst>
+  </p:timing>
 </p:sld>
 </file>
 
@@ -23035,6 +23263,13 @@
   <p:clrMapOvr>
     <a:masterClrMapping/>
   </p:clrMapOvr>
+  <p:timing>
+    <p:tnLst>
+      <p:par>
+        <p:cTn id="1" dur="indefinite" restart="never" nodeType="tmRoot"/>
+      </p:par>
+    </p:tnLst>
+  </p:timing>
 </p:sld>
 </file>
 
@@ -23983,6 +24218,13 @@
       <p:transition spd="slow"/>
     </mc:Fallback>
   </mc:AlternateContent>
+  <p:timing>
+    <p:tnLst>
+      <p:par>
+        <p:cTn id="1" dur="indefinite" restart="never" nodeType="tmRoot"/>
+      </p:par>
+    </p:tnLst>
+  </p:timing>
 </p:sld>
 </file>
 
@@ -24349,6 +24591,13 @@
   <p:clrMapOvr>
     <a:masterClrMapping/>
   </p:clrMapOvr>
+  <p:timing>
+    <p:tnLst>
+      <p:par>
+        <p:cTn id="1" dur="indefinite" restart="never" nodeType="tmRoot"/>
+      </p:par>
+    </p:tnLst>
+  </p:timing>
 </p:sld>
 </file>
 
@@ -24744,6 +24993,13 @@
   <p:clrMapOvr>
     <a:masterClrMapping/>
   </p:clrMapOvr>
+  <p:timing>
+    <p:tnLst>
+      <p:par>
+        <p:cTn id="1" dur="indefinite" restart="never" nodeType="tmRoot"/>
+      </p:par>
+    </p:tnLst>
+  </p:timing>
 </p:sld>
 </file>
 
@@ -24783,25 +25039,6 @@
               <a:rPr kumimoji="1" lang="ja-JP" altLang="en-US" dirty="0"/>
               <a:t>グーを半分に減らす</a:t>
             </a:r>
-          </a:p>
-        </p:txBody>
-      </p:sp>
-      <p:sp>
-        <p:nvSpPr>
-          <p:cNvPr id="3" name="コンテンツ プレースホルダー 2"/>
-          <p:cNvSpPr>
-            <a:spLocks noGrp="1"/>
-          </p:cNvSpPr>
-          <p:nvPr>
-            <p:ph idx="1"/>
-          </p:nvPr>
-        </p:nvSpPr>
-        <p:spPr/>
-        <p:txBody>
-          <a:bodyPr/>
-          <a:lstStyle/>
-          <a:p>
-            <a:endParaRPr kumimoji="1" lang="ja-JP" altLang="en-US" dirty="0"/>
           </a:p>
         </p:txBody>
       </p:sp>
@@ -25154,6 +25391,13 @@
   <p:clrMapOvr>
     <a:masterClrMapping/>
   </p:clrMapOvr>
+  <p:timing>
+    <p:tnLst>
+      <p:par>
+        <p:cTn id="1" dur="indefinite" restart="never" nodeType="tmRoot"/>
+      </p:par>
+    </p:tnLst>
+  </p:timing>
 </p:sld>
 </file>
 
